--- a/Assets/dev/TEAM ZURICH.pptx
+++ b/Assets/dev/TEAM ZURICH.pptx
@@ -158,7 +158,6 @@
   </mc:AlternateContent>
   <c:chart>
     <c:title>
-      <c:layout/>
       <c:overlay val="0"/>
       <c:spPr>
         <a:noFill/>
@@ -538,7 +537,6 @@
     </c:plotArea>
     <c:legend>
       <c:legendPos val="b"/>
-      <c:layout/>
       <c:overlay val="0"/>
       <c:spPr>
         <a:noFill/>
@@ -618,7 +616,6 @@
   </mc:AlternateContent>
   <c:chart>
     <c:title>
-      <c:layout/>
       <c:overlay val="0"/>
       <c:spPr>
         <a:noFill/>
@@ -998,7 +995,6 @@
     </c:plotArea>
     <c:legend>
       <c:legendPos val="b"/>
-      <c:layout/>
       <c:overlay val="0"/>
       <c:spPr>
         <a:noFill/>
@@ -2286,7 +2282,7 @@
           <a:p>
             <a:fld id="{23AD794A-17F4-48F7-A14F-39DCAE091952}" type="datetimeFigureOut">
               <a:rPr lang="en-US" smtClean="0"/>
-              <a:t>9/8/2023</a:t>
+              <a:t>9/9/2023</a:t>
             </a:fld>
             <a:endParaRPr lang="en-US" dirty="0"/>
           </a:p>
@@ -2463,7 +2459,7 @@
           <a:p>
             <a:fld id="{594C6A87-CC60-415C-BFEE-13D1CAD6861A}" type="datetimeFigureOut">
               <a:rPr lang="en-US" smtClean="0"/>
-              <a:t>9/8/2023</a:t>
+              <a:t>9/9/2023</a:t>
             </a:fld>
             <a:endParaRPr lang="en-US" dirty="0"/>
           </a:p>
@@ -29158,7 +29154,7 @@
                 <a16:creationId xmlns:a16="http://schemas.microsoft.com/office/drawing/2014/main" id="{251CEBEB-5088-4E63-81A4-0DCEB5B45207}"/>
               </a:ext>
               <a:ext uri="{C183D7F6-B498-43B3-948B-1728B52AA6E4}">
-                <adec:decorative xmlns="" xmlns:adec="http://schemas.microsoft.com/office/drawing/2017/decorative" val="1"/>
+                <adec:decorative xmlns:adec="http://schemas.microsoft.com/office/drawing/2017/decorative" xmlns="" val="1"/>
               </a:ext>
             </a:extLst>
           </p:cNvPr>
@@ -29184,8 +29180,8 @@
         </p:blipFill>
         <p:spPr>
           <a:xfrm>
-            <a:off x="8227242" y="4764676"/>
-            <a:ext cx="2178226" cy="2142309"/>
+            <a:off x="8549640" y="3442184"/>
+            <a:ext cx="3473083" cy="3415815"/>
           </a:xfrm>
         </p:spPr>
       </p:pic>
@@ -29396,7 +29392,7 @@
                 <a16:creationId xmlns:a16="http://schemas.microsoft.com/office/drawing/2014/main" id="{0F5C8F58-81B2-4162-9563-70C679CF85F2}"/>
               </a:ext>
               <a:ext uri="{C183D7F6-B498-43B3-948B-1728B52AA6E4}">
-                <adec:decorative xmlns="" xmlns:adec="http://schemas.microsoft.com/office/drawing/2017/decorative" val="1"/>
+                <adec:decorative xmlns:adec="http://schemas.microsoft.com/office/drawing/2017/decorative" xmlns="" val="1"/>
               </a:ext>
             </a:extLst>
           </p:cNvPr>
@@ -29414,7 +29410,7 @@
                 <a14:useLocalDpi xmlns:a14="http://schemas.microsoft.com/office/drawing/2010/main" val="0"/>
               </a:ext>
               <a:ext uri="{96DAC541-7B7A-43D3-8B79-37D633B846F1}">
-                <asvg:svgBlip xmlns="" xmlns:asvg="http://schemas.microsoft.com/office/drawing/2016/SVG/main" r:embed="rId3"/>
+                <asvg:svgBlip xmlns:asvg="http://schemas.microsoft.com/office/drawing/2016/SVG/main" xmlns="" r:embed="rId3"/>
               </a:ext>
             </a:extLst>
           </a:blip>
@@ -29436,7 +29432,7 @@
                 <a16:creationId xmlns:a16="http://schemas.microsoft.com/office/drawing/2014/main" id="{2AD0E03E-80ED-4CBF-B567-3E1EAB01FD41}"/>
               </a:ext>
               <a:ext uri="{C183D7F6-B498-43B3-948B-1728B52AA6E4}">
-                <adec:decorative xmlns="" xmlns:adec="http://schemas.microsoft.com/office/drawing/2017/decorative" val="1"/>
+                <adec:decorative xmlns:adec="http://schemas.microsoft.com/office/drawing/2017/decorative" xmlns="" val="1"/>
               </a:ext>
             </a:extLst>
           </p:cNvPr>
@@ -29454,7 +29450,7 @@
                 <a14:useLocalDpi xmlns:a14="http://schemas.microsoft.com/office/drawing/2010/main" val="0"/>
               </a:ext>
               <a:ext uri="{96DAC541-7B7A-43D3-8B79-37D633B846F1}">
-                <asvg:svgBlip xmlns="" xmlns:asvg="http://schemas.microsoft.com/office/drawing/2016/SVG/main" r:embed="rId5"/>
+                <asvg:svgBlip xmlns:asvg="http://schemas.microsoft.com/office/drawing/2016/SVG/main" xmlns="" r:embed="rId5"/>
               </a:ext>
             </a:extLst>
           </a:blip>
@@ -29476,7 +29472,7 @@
                 <a16:creationId xmlns:a16="http://schemas.microsoft.com/office/drawing/2014/main" id="{F1E0AF3E-867C-4F0D-8325-9DC9A985B427}"/>
               </a:ext>
               <a:ext uri="{C183D7F6-B498-43B3-948B-1728B52AA6E4}">
-                <adec:decorative xmlns="" xmlns:adec="http://schemas.microsoft.com/office/drawing/2017/decorative" val="1"/>
+                <adec:decorative xmlns:adec="http://schemas.microsoft.com/office/drawing/2017/decorative" xmlns="" val="1"/>
               </a:ext>
             </a:extLst>
           </p:cNvPr>
@@ -29494,7 +29490,7 @@
                 <a14:useLocalDpi xmlns:a14="http://schemas.microsoft.com/office/drawing/2010/main" val="0"/>
               </a:ext>
               <a:ext uri="{96DAC541-7B7A-43D3-8B79-37D633B846F1}">
-                <asvg:svgBlip xmlns="" xmlns:asvg="http://schemas.microsoft.com/office/drawing/2016/SVG/main" r:embed="rId7"/>
+                <asvg:svgBlip xmlns:asvg="http://schemas.microsoft.com/office/drawing/2016/SVG/main" xmlns="" r:embed="rId7"/>
               </a:ext>
             </a:extLst>
           </a:blip>
@@ -29516,7 +29512,7 @@
                 <a16:creationId xmlns:a16="http://schemas.microsoft.com/office/drawing/2014/main" id="{43BC7054-E269-4210-98F5-65D485066725}"/>
               </a:ext>
               <a:ext uri="{C183D7F6-B498-43B3-948B-1728B52AA6E4}">
-                <adec:decorative xmlns="" xmlns:adec="http://schemas.microsoft.com/office/drawing/2017/decorative" val="1"/>
+                <adec:decorative xmlns:adec="http://schemas.microsoft.com/office/drawing/2017/decorative" xmlns="" val="1"/>
               </a:ext>
             </a:extLst>
           </p:cNvPr>
@@ -29534,7 +29530,7 @@
                 <a14:useLocalDpi xmlns:a14="http://schemas.microsoft.com/office/drawing/2010/main" val="0"/>
               </a:ext>
               <a:ext uri="{96DAC541-7B7A-43D3-8B79-37D633B846F1}">
-                <asvg:svgBlip xmlns="" xmlns:asvg="http://schemas.microsoft.com/office/drawing/2016/SVG/main" r:embed="rId9"/>
+                <asvg:svgBlip xmlns:asvg="http://schemas.microsoft.com/office/drawing/2016/SVG/main" xmlns="" r:embed="rId9"/>
               </a:ext>
             </a:extLst>
           </a:blip>
@@ -29784,7 +29780,7 @@
                 <a16:creationId xmlns:a16="http://schemas.microsoft.com/office/drawing/2014/main" id="{8D53E665-9B7D-413E-815E-AF0082AFF105}"/>
               </a:ext>
               <a:ext uri="{C183D7F6-B498-43B3-948B-1728B52AA6E4}">
-                <adec:decorative xmlns="" xmlns:adec="http://schemas.microsoft.com/office/drawing/2017/decorative" val="1"/>
+                <adec:decorative xmlns:adec="http://schemas.microsoft.com/office/drawing/2017/decorative" xmlns="" val="1"/>
               </a:ext>
             </a:extLst>
           </p:cNvPr>
@@ -30247,7 +30243,7 @@
                 <a16:creationId xmlns:a16="http://schemas.microsoft.com/office/drawing/2014/main" id="{D8DD12A5-FE18-4970-8B30-E368D9BD860D}"/>
               </a:ext>
               <a:ext uri="{C183D7F6-B498-43B3-948B-1728B52AA6E4}">
-                <adec:decorative xmlns="" xmlns:adec="http://schemas.microsoft.com/office/drawing/2017/decorative" val="1"/>
+                <adec:decorative xmlns:adec="http://schemas.microsoft.com/office/drawing/2017/decorative" xmlns="" val="1"/>
               </a:ext>
             </a:extLst>
           </p:cNvPr>
@@ -30622,8 +30618,23 @@
               <a:rPr lang="en-US" sz="3200" b="1" dirty="0">
                 <a:latin typeface="Arial Black" panose="020B0A04020102020204" pitchFamily="34" charset="0"/>
               </a:rPr>
-              <a:t>   - Ghana</a:t>
-            </a:r>
+              <a:t>   - </a:t>
+            </a:r>
+            <a:r>
+              <a:rPr lang="en-US" sz="3200" b="1" dirty="0" smtClean="0">
+                <a:latin typeface="Arial Black" panose="020B0A04020102020204" pitchFamily="34" charset="0"/>
+              </a:rPr>
+              <a:t>Ghana </a:t>
+            </a:r>
+            <a:r>
+              <a:rPr lang="en-US" sz="3200" b="1" smtClean="0">
+                <a:latin typeface="Arial Black" panose="020B0A04020102020204" pitchFamily="34" charset="0"/>
+              </a:rPr>
+              <a:t>- Lead</a:t>
+            </a:r>
+            <a:endParaRPr lang="en-US" sz="3200" b="1" dirty="0">
+              <a:latin typeface="Arial Black" panose="020B0A04020102020204" pitchFamily="34" charset="0"/>
+            </a:endParaRPr>
           </a:p>
           <a:p>
             <a:r>
@@ -31272,43 +31283,7 @@
                 <a:latin typeface="Times New Roman" panose="02020603050405020304" pitchFamily="18" charset="0"/>
                 <a:cs typeface="Times New Roman" panose="02020603050405020304" pitchFamily="18" charset="0"/>
               </a:rPr>
-              <a:t>Our Dataset is a Telco </a:t>
-            </a:r>
-            <a:r>
-              <a:rPr lang="en-US" dirty="0" smtClean="0">
-                <a:solidFill>
-                  <a:schemeClr val="tx2">
-                    <a:lumMod val="50000"/>
-                  </a:schemeClr>
-                </a:solidFill>
-                <a:latin typeface="Times New Roman" panose="02020603050405020304" pitchFamily="18" charset="0"/>
-                <a:cs typeface="Times New Roman" panose="02020603050405020304" pitchFamily="18" charset="0"/>
-              </a:rPr>
-              <a:t>data which </a:t>
-            </a:r>
-            <a:r>
-              <a:rPr lang="en-US" dirty="0" smtClean="0">
-                <a:solidFill>
-                  <a:schemeClr val="tx2">
-                    <a:lumMod val="50000"/>
-                  </a:schemeClr>
-                </a:solidFill>
-                <a:latin typeface="Times New Roman" panose="02020603050405020304" pitchFamily="18" charset="0"/>
-                <a:cs typeface="Times New Roman" panose="02020603050405020304" pitchFamily="18" charset="0"/>
-              </a:rPr>
-              <a:t>was obtained from </a:t>
-            </a:r>
-            <a:r>
-              <a:rPr lang="en-US" dirty="0" smtClean="0">
-                <a:solidFill>
-                  <a:schemeClr val="tx2">
-                    <a:lumMod val="50000"/>
-                  </a:schemeClr>
-                </a:solidFill>
-                <a:latin typeface="Times New Roman" panose="02020603050405020304" pitchFamily="18" charset="0"/>
-                <a:cs typeface="Times New Roman" panose="02020603050405020304" pitchFamily="18" charset="0"/>
-              </a:rPr>
-              <a:t>a </a:t>
+              <a:t>Our Dataset is a Telco data which was obtained from a </a:t>
             </a:r>
             <a:r>
               <a:rPr lang="en-US" dirty="0" err="1" smtClean="0">
@@ -31600,7 +31575,7 @@
                 <a16:creationId xmlns:a16="http://schemas.microsoft.com/office/drawing/2014/main" id="{D8DD12A5-FE18-4970-8B30-E368D9BD860D}"/>
               </a:ext>
               <a:ext uri="{C183D7F6-B498-43B3-948B-1728B52AA6E4}">
-                <adec:decorative xmlns="" xmlns:adec="http://schemas.microsoft.com/office/drawing/2017/decorative" val="1"/>
+                <adec:decorative xmlns:adec="http://schemas.microsoft.com/office/drawing/2017/decorative" xmlns="" val="1"/>
               </a:ext>
             </a:extLst>
           </p:cNvPr>
@@ -31794,7 +31769,7 @@
                 <a16:creationId xmlns:a16="http://schemas.microsoft.com/office/drawing/2014/main" id="{C56F6876-F532-4396-8FC3-BEB43E626529}"/>
               </a:ext>
               <a:ext uri="{C183D7F6-B498-43B3-948B-1728B52AA6E4}">
-                <adec:decorative xmlns="" xmlns:adec="http://schemas.microsoft.com/office/drawing/2017/decorative" val="1"/>
+                <adec:decorative xmlns:adec="http://schemas.microsoft.com/office/drawing/2017/decorative" xmlns="" val="1"/>
               </a:ext>
             </a:extLst>
           </p:cNvPr>
@@ -31828,7 +31803,7 @@
                 <a16:creationId xmlns:a16="http://schemas.microsoft.com/office/drawing/2014/main" id="{95339E7E-14EB-4886-A417-E9C84CA1E342}"/>
               </a:ext>
               <a:ext uri="{C183D7F6-B498-43B3-948B-1728B52AA6E4}">
-                <adec:decorative xmlns="" xmlns:adec="http://schemas.microsoft.com/office/drawing/2017/decorative" val="1"/>
+                <adec:decorative xmlns:adec="http://schemas.microsoft.com/office/drawing/2017/decorative" xmlns="" val="1"/>
               </a:ext>
             </a:extLst>
           </p:cNvPr>
@@ -32702,6 +32677,15 @@
 </file>
 
 <file path=customXml/item2.xml><?xml version="1.0" encoding="utf-8"?>
+<?mso-contentType ?>
+<FormTemplates xmlns="http://schemas.microsoft.com/sharepoint/v3/contenttype/forms">
+  <Display>DocumentLibraryForm</Display>
+  <Edit>DocumentLibraryForm</Edit>
+  <New>DocumentLibraryForm</New>
+</FormTemplates>
+</file>
+
+<file path=customXml/item3.xml><?xml version="1.0" encoding="utf-8"?>
 <ct:contentTypeSchema xmlns:ct="http://schemas.microsoft.com/office/2006/metadata/contentType" xmlns:ma="http://schemas.microsoft.com/office/2006/metadata/properties/metaAttributes" ct:_="" ma:_="" ma:contentTypeName="Document" ma:contentTypeID="0x01010079F111ED35F8CC479449609E8A0923A6" ma:contentTypeVersion="12" ma:contentTypeDescription="Create a new document." ma:contentTypeScope="" ma:versionID="f9fc9171bb41dc08635275f351de8590">
   <xsd:schema xmlns:xsd="http://www.w3.org/2001/XMLSchema" xmlns:xs="http://www.w3.org/2001/XMLSchema" xmlns:p="http://schemas.microsoft.com/office/2006/metadata/properties" xmlns:ns2="71af3243-3dd4-4a8d-8c0d-dd76da1f02a5" xmlns:ns3="16c05727-aa75-4e4a-9b5f-8a80a1165891" targetNamespace="http://schemas.microsoft.com/office/2006/metadata/properties" ma:root="true" ma:fieldsID="29387215989a890c06011de04edfe97d" ns2:_="" ns3:_="">
     <xsd:import namespace="71af3243-3dd4-4a8d-8c0d-dd76da1f02a5"/>
@@ -32922,15 +32906,6 @@
 </ct:contentTypeSchema>
 </file>
 
-<file path=customXml/item3.xml><?xml version="1.0" encoding="utf-8"?>
-<?mso-contentType ?>
-<FormTemplates xmlns="http://schemas.microsoft.com/sharepoint/v3/contenttype/forms">
-  <Display>DocumentLibraryForm</Display>
-  <Edit>DocumentLibraryForm</Edit>
-  <New>DocumentLibraryForm</New>
-</FormTemplates>
-</file>
-
 <file path=customXml/itemProps1.xml><?xml version="1.0" encoding="utf-8"?>
 <ds:datastoreItem xmlns:ds="http://schemas.openxmlformats.org/officeDocument/2006/customXml" ds:itemID="{C360C99C-4D9A-4DAB-AA53-E488AEBCAE16}">
   <ds:schemaRefs>
@@ -32949,6 +32924,14 @@
 </file>
 
 <file path=customXml/itemProps2.xml><?xml version="1.0" encoding="utf-8"?>
+<ds:datastoreItem xmlns:ds="http://schemas.openxmlformats.org/officeDocument/2006/customXml" ds:itemID="{E1B6A5B5-1BEC-4EEA-9356-9BFD758ACB72}">
+  <ds:schemaRefs>
+    <ds:schemaRef ds:uri="http://schemas.microsoft.com/sharepoint/v3/contenttype/forms"/>
+  </ds:schemaRefs>
+</ds:datastoreItem>
+</file>
+
+<file path=customXml/itemProps3.xml><?xml version="1.0" encoding="utf-8"?>
 <ds:datastoreItem xmlns:ds="http://schemas.openxmlformats.org/officeDocument/2006/customXml" ds:itemID="{16D1F562-76A4-4CE4-B3CA-758D572E9454}">
   <ds:schemaRefs>
     <ds:schemaRef ds:uri="http://schemas.microsoft.com/office/2006/metadata/contentType"/>
@@ -32965,12 +32948,4 @@
     <ds:schemaRef ds:uri="http://schemas.microsoft.com/internal/obd"/>
   </ds:schemaRefs>
 </ds:datastoreItem>
-</file>
-
-<file path=customXml/itemProps3.xml><?xml version="1.0" encoding="utf-8"?>
-<ds:datastoreItem xmlns:ds="http://schemas.openxmlformats.org/officeDocument/2006/customXml" ds:itemID="{E1B6A5B5-1BEC-4EEA-9356-9BFD758ACB72}">
-  <ds:schemaRefs>
-    <ds:schemaRef ds:uri="http://schemas.microsoft.com/sharepoint/v3/contenttype/forms"/>
-  </ds:schemaRefs>
-</ds:datastoreItem>
 </file>